--- a/doc/slides.pptx
+++ b/doc/slides.pptx
@@ -231,11 +231,11 @@
           <c:showBubbleSize val="0"/>
         </c:dLbls>
         <c:gapWidth val="150"/>
-        <c:axId val="-2109568184"/>
-        <c:axId val="-2109566248"/>
+        <c:axId val="-2108053976"/>
+        <c:axId val="-2107654824"/>
       </c:barChart>
       <c:catAx>
-        <c:axId val="-2109568184"/>
+        <c:axId val="-2108053976"/>
         <c:scaling>
           <c:orientation val="minMax"/>
         </c:scaling>
@@ -244,7 +244,7 @@
         <c:majorTickMark val="out"/>
         <c:minorTickMark val="none"/>
         <c:tickLblPos val="nextTo"/>
-        <c:crossAx val="-2109566248"/>
+        <c:crossAx val="-2107654824"/>
         <c:crosses val="autoZero"/>
         <c:auto val="1"/>
         <c:lblAlgn val="ctr"/>
@@ -252,7 +252,7 @@
         <c:noMultiLvlLbl val="0"/>
       </c:catAx>
       <c:valAx>
-        <c:axId val="-2109566248"/>
+        <c:axId val="-2107654824"/>
         <c:scaling>
           <c:orientation val="minMax"/>
         </c:scaling>
@@ -263,7 +263,7 @@
         <c:majorTickMark val="out"/>
         <c:minorTickMark val="none"/>
         <c:tickLblPos val="nextTo"/>
-        <c:crossAx val="-2109568184"/>
+        <c:crossAx val="-2108053976"/>
         <c:crosses val="autoZero"/>
         <c:crossBetween val="between"/>
       </c:valAx>
@@ -309,7 +309,7 @@
           <c:order val="0"/>
           <c:tx>
             <c:strRef>
-              <c:f>Blatt1!$A$17</c:f>
+              <c:f>Blatt1!$A$28</c:f>
               <c:strCache>
                 <c:ptCount val="1"/>
                 <c:pt idx="0">
@@ -321,47 +321,77 @@
           <c:invertIfNegative val="0"/>
           <c:cat>
             <c:strRef>
-              <c:f>Blatt1!$B$16:$F$16</c:f>
+              <c:f>Blatt1!$B$27:$K$27</c:f>
               <c:strCache>
-                <c:ptCount val="5"/>
+                <c:ptCount val="10"/>
                 <c:pt idx="0">
-                  <c:v>Ngram 1000/1000</c:v>
+                  <c:v>NGramm 10000 No Attribute Selection/No IDF/TF</c:v>
                 </c:pt>
                 <c:pt idx="1">
+                  <c:v>NGramm 10000 No Attribute Selection</c:v>
+                </c:pt>
+                <c:pt idx="2">
+                  <c:v>NGramm 10000 No Attribute Selection, Operate On Per Class Base (false)</c:v>
+                </c:pt>
+                <c:pt idx="3">
+                  <c:v>NGramm 1000/1000</c:v>
+                </c:pt>
+                <c:pt idx="4">
                   <c:v>Ngramm 1000/100</c:v>
                 </c:pt>
-                <c:pt idx="2">
+                <c:pt idx="5">
                   <c:v>Ngramm 10000/500</c:v>
                 </c:pt>
-                <c:pt idx="3">
+                <c:pt idx="6">
                   <c:v>Ngramm 10000/500</c:v>
                 </c:pt>
-                <c:pt idx="4">
+                <c:pt idx="7">
+                  <c:v>Ngramm 15000/1000</c:v>
+                </c:pt>
+                <c:pt idx="8">
                   <c:v>Normal Tokenize</c:v>
+                </c:pt>
+                <c:pt idx="9">
+                  <c:v>Ngramm 10000/500 (tokenize only)</c:v>
                 </c:pt>
               </c:strCache>
             </c:strRef>
           </c:cat>
           <c:val>
             <c:numRef>
-              <c:f>Blatt1!$B$17:$F$17</c:f>
+              <c:f>Blatt1!$B$28:$K$28</c:f>
               <c:numCache>
                 <c:formatCode>0.00%</c:formatCode>
-                <c:ptCount val="5"/>
+                <c:ptCount val="10"/>
                 <c:pt idx="0">
-                  <c:v>0.7905</c:v>
+                  <c:v>0.795</c:v>
                 </c:pt>
                 <c:pt idx="1">
-                  <c:v>0.7905</c:v>
+                  <c:v>0.795</c:v>
                 </c:pt>
                 <c:pt idx="2">
-                  <c:v>0.8555</c:v>
+                  <c:v>0.7985</c:v>
                 </c:pt>
                 <c:pt idx="3">
-                  <c:v>0.851</c:v>
+                  <c:v>0.77</c:v>
                 </c:pt>
                 <c:pt idx="4">
-                  <c:v>0.8535</c:v>
+                  <c:v>0.7995</c:v>
+                </c:pt>
+                <c:pt idx="5">
+                  <c:v>0.853</c:v>
+                </c:pt>
+                <c:pt idx="6">
+                  <c:v>0.8575</c:v>
+                </c:pt>
+                <c:pt idx="7">
+                  <c:v>0.8545</c:v>
+                </c:pt>
+                <c:pt idx="8">
+                  <c:v>0.848</c:v>
+                </c:pt>
+                <c:pt idx="9">
+                  <c:v>0.8085</c:v>
                 </c:pt>
               </c:numCache>
             </c:numRef>
@@ -372,7 +402,7 @@
           <c:order val="1"/>
           <c:tx>
             <c:strRef>
-              <c:f>Blatt1!$A$18</c:f>
+              <c:f>Blatt1!$A$29</c:f>
               <c:strCache>
                 <c:ptCount val="1"/>
                 <c:pt idx="0">
@@ -384,47 +414,77 @@
           <c:invertIfNegative val="0"/>
           <c:cat>
             <c:strRef>
-              <c:f>Blatt1!$B$16:$F$16</c:f>
+              <c:f>Blatt1!$B$27:$K$27</c:f>
               <c:strCache>
-                <c:ptCount val="5"/>
+                <c:ptCount val="10"/>
                 <c:pt idx="0">
-                  <c:v>Ngram 1000/1000</c:v>
+                  <c:v>NGramm 10000 No Attribute Selection/No IDF/TF</c:v>
                 </c:pt>
                 <c:pt idx="1">
+                  <c:v>NGramm 10000 No Attribute Selection</c:v>
+                </c:pt>
+                <c:pt idx="2">
+                  <c:v>NGramm 10000 No Attribute Selection, Operate On Per Class Base (false)</c:v>
+                </c:pt>
+                <c:pt idx="3">
+                  <c:v>NGramm 1000/1000</c:v>
+                </c:pt>
+                <c:pt idx="4">
                   <c:v>Ngramm 1000/100</c:v>
                 </c:pt>
-                <c:pt idx="2">
+                <c:pt idx="5">
                   <c:v>Ngramm 10000/500</c:v>
                 </c:pt>
-                <c:pt idx="3">
+                <c:pt idx="6">
                   <c:v>Ngramm 10000/500</c:v>
                 </c:pt>
-                <c:pt idx="4">
+                <c:pt idx="7">
+                  <c:v>Ngramm 15000/1000</c:v>
+                </c:pt>
+                <c:pt idx="8">
                   <c:v>Normal Tokenize</c:v>
+                </c:pt>
+                <c:pt idx="9">
+                  <c:v>Ngramm 10000/500 (tokenize only)</c:v>
                 </c:pt>
               </c:strCache>
             </c:strRef>
           </c:cat>
           <c:val>
             <c:numRef>
-              <c:f>Blatt1!$B$18:$F$18</c:f>
+              <c:f>Blatt1!$B$29:$K$29</c:f>
               <c:numCache>
                 <c:formatCode>0.00%</c:formatCode>
-                <c:ptCount val="5"/>
+                <c:ptCount val="10"/>
                 <c:pt idx="0">
-                  <c:v>0.2095</c:v>
+                  <c:v>0.205</c:v>
                 </c:pt>
                 <c:pt idx="1">
-                  <c:v>0.2095</c:v>
+                  <c:v>0.205</c:v>
                 </c:pt>
                 <c:pt idx="2">
-                  <c:v>0.1445</c:v>
+                  <c:v>0.2015</c:v>
                 </c:pt>
                 <c:pt idx="3">
-                  <c:v>0.149</c:v>
+                  <c:v>0.23</c:v>
                 </c:pt>
                 <c:pt idx="4">
-                  <c:v>0.1465</c:v>
+                  <c:v>0.2005</c:v>
+                </c:pt>
+                <c:pt idx="5">
+                  <c:v>0.147</c:v>
+                </c:pt>
+                <c:pt idx="6">
+                  <c:v>0.1425</c:v>
+                </c:pt>
+                <c:pt idx="7">
+                  <c:v>0.1455</c:v>
+                </c:pt>
+                <c:pt idx="8">
+                  <c:v>0.152</c:v>
+                </c:pt>
+                <c:pt idx="9">
+                  <c:v>0.1915</c:v>
                 </c:pt>
               </c:numCache>
             </c:numRef>
@@ -439,11 +499,11 @@
           <c:showBubbleSize val="0"/>
         </c:dLbls>
         <c:gapWidth val="150"/>
-        <c:axId val="-2105776488"/>
-        <c:axId val="-2105773448"/>
+        <c:axId val="-2117663544"/>
+        <c:axId val="-2107456520"/>
       </c:barChart>
       <c:catAx>
-        <c:axId val="-2105776488"/>
+        <c:axId val="-2117663544"/>
         <c:scaling>
           <c:orientation val="minMax"/>
         </c:scaling>
@@ -452,7 +512,7 @@
         <c:majorTickMark val="out"/>
         <c:minorTickMark val="none"/>
         <c:tickLblPos val="nextTo"/>
-        <c:crossAx val="-2105773448"/>
+        <c:crossAx val="-2107456520"/>
         <c:crosses val="autoZero"/>
         <c:auto val="1"/>
         <c:lblAlgn val="ctr"/>
@@ -460,7 +520,7 @@
         <c:noMultiLvlLbl val="0"/>
       </c:catAx>
       <c:valAx>
-        <c:axId val="-2105773448"/>
+        <c:axId val="-2107456520"/>
         <c:scaling>
           <c:orientation val="minMax"/>
         </c:scaling>
@@ -471,7 +531,7 @@
         <c:majorTickMark val="out"/>
         <c:minorTickMark val="none"/>
         <c:tickLblPos val="nextTo"/>
-        <c:crossAx val="-2105776488"/>
+        <c:crossAx val="-2117663544"/>
         <c:crosses val="autoZero"/>
         <c:crossBetween val="between"/>
       </c:valAx>
@@ -5809,9 +5869,16 @@
             <p:ph idx="1"/>
           </p:nvPr>
         </p:nvSpPr>
-        <p:spPr/>
-        <p:txBody>
-          <a:bodyPr/>
+        <p:spPr>
+          <a:xfrm>
+            <a:off x="415925" y="2756646"/>
+            <a:ext cx="4017873" cy="3491753"/>
+          </a:xfrm>
+        </p:spPr>
+        <p:txBody>
+          <a:bodyPr>
+            <a:normAutofit/>
+          </a:bodyPr>
           <a:lstStyle/>
           <a:p>
             <a:r>
@@ -5835,7 +5902,7 @@
           <a:p>
             <a:r>
               <a:rPr lang="de-DE" dirty="0" err="1" smtClean="0"/>
-              <a:t>Stopwordlists</a:t>
+              <a:t>Stopwordlist</a:t>
             </a:r>
             <a:endParaRPr lang="de-DE" dirty="0" smtClean="0"/>
           </a:p>
@@ -5849,6 +5916,309 @@
               <a:t>Tokenizers</a:t>
             </a:r>
             <a:endParaRPr lang="de-DE" dirty="0" smtClean="0"/>
+          </a:p>
+          <a:p>
+            <a:r>
+              <a:rPr lang="de-DE" dirty="0" smtClean="0"/>
+              <a:t>Special </a:t>
+            </a:r>
+            <a:r>
+              <a:rPr lang="de-DE" dirty="0" err="1" smtClean="0"/>
+              <a:t>Character</a:t>
+            </a:r>
+            <a:r>
+              <a:rPr lang="de-DE" dirty="0" smtClean="0"/>
+              <a:t> </a:t>
+            </a:r>
+            <a:r>
+              <a:rPr lang="de-DE" dirty="0" err="1" smtClean="0"/>
+              <a:t>Replacement</a:t>
+            </a:r>
+            <a:endParaRPr lang="de-DE" dirty="0" smtClean="0"/>
+          </a:p>
+          <a:p>
+            <a:r>
+              <a:rPr lang="de-DE" dirty="0" smtClean="0"/>
+              <a:t>Negation Filter</a:t>
+            </a:r>
+          </a:p>
+        </p:txBody>
+      </p:sp>
+      <p:sp>
+        <p:nvSpPr>
+          <p:cNvPr id="4" name="Inhaltsplatzhalter 2"/>
+          <p:cNvSpPr txBox="1">
+            <a:spLocks/>
+          </p:cNvSpPr>
+          <p:nvPr/>
+        </p:nvSpPr>
+        <p:spPr>
+          <a:xfrm>
+            <a:off x="4586198" y="2909046"/>
+            <a:ext cx="4017873" cy="3491753"/>
+          </a:xfrm>
+          <a:prstGeom prst="rect">
+            <a:avLst/>
+          </a:prstGeom>
+        </p:spPr>
+        <p:txBody>
+          <a:bodyPr vert="horz" lIns="91440" tIns="45720" rIns="91440" bIns="45720" rtlCol="0">
+            <a:normAutofit/>
+          </a:bodyPr>
+          <a:lstStyle>
+            <a:lvl1pPr marL="228600" indent="-228600" algn="l" defTabSz="914400" rtl="0" eaLnBrk="1" latinLnBrk="0" hangingPunct="1">
+              <a:spcBef>
+                <a:spcPts val="2000"/>
+              </a:spcBef>
+              <a:buClr>
+                <a:schemeClr val="tx1">
+                  <a:lumMod val="50000"/>
+                  <a:lumOff val="50000"/>
+                </a:schemeClr>
+              </a:buClr>
+              <a:buSzPct val="70000"/>
+              <a:buFont typeface="Wingdings" pitchFamily="2" charset="2"/>
+              <a:buChar char="l"/>
+              <a:defRPr sz="2000" kern="1200">
+                <a:solidFill>
+                  <a:schemeClr val="tx1">
+                    <a:lumMod val="75000"/>
+                    <a:lumOff val="25000"/>
+                  </a:schemeClr>
+                </a:solidFill>
+                <a:latin typeface="+mn-lt"/>
+                <a:ea typeface="+mn-ea"/>
+                <a:cs typeface="+mn-cs"/>
+              </a:defRPr>
+            </a:lvl1pPr>
+            <a:lvl2pPr marL="457200" indent="-228600" algn="l" defTabSz="914400" rtl="0" eaLnBrk="1" latinLnBrk="0" hangingPunct="1">
+              <a:spcBef>
+                <a:spcPts val="600"/>
+              </a:spcBef>
+              <a:buClr>
+                <a:schemeClr val="tx1">
+                  <a:lumMod val="85000"/>
+                  <a:lumOff val="15000"/>
+                </a:schemeClr>
+              </a:buClr>
+              <a:buSzPct val="70000"/>
+              <a:buFont typeface="Wingdings" pitchFamily="2" charset="2"/>
+              <a:buChar char="l"/>
+              <a:defRPr sz="1800" kern="1200">
+                <a:solidFill>
+                  <a:schemeClr val="tx1">
+                    <a:lumMod val="75000"/>
+                    <a:lumOff val="25000"/>
+                  </a:schemeClr>
+                </a:solidFill>
+                <a:latin typeface="+mn-lt"/>
+                <a:ea typeface="+mn-ea"/>
+                <a:cs typeface="+mn-cs"/>
+              </a:defRPr>
+            </a:lvl2pPr>
+            <a:lvl3pPr marL="685800" indent="-228600" algn="l" defTabSz="914400" rtl="0" eaLnBrk="1" latinLnBrk="0" hangingPunct="1">
+              <a:spcBef>
+                <a:spcPts val="600"/>
+              </a:spcBef>
+              <a:buClr>
+                <a:schemeClr val="tx1">
+                  <a:lumMod val="50000"/>
+                  <a:lumOff val="50000"/>
+                </a:schemeClr>
+              </a:buClr>
+              <a:buSzPct val="70000"/>
+              <a:buFont typeface="Wingdings" pitchFamily="2" charset="2"/>
+              <a:buChar char="l"/>
+              <a:defRPr sz="1800" kern="1200">
+                <a:solidFill>
+                  <a:schemeClr val="tx1">
+                    <a:lumMod val="75000"/>
+                    <a:lumOff val="25000"/>
+                  </a:schemeClr>
+                </a:solidFill>
+                <a:latin typeface="+mn-lt"/>
+                <a:ea typeface="+mn-ea"/>
+                <a:cs typeface="+mn-cs"/>
+              </a:defRPr>
+            </a:lvl3pPr>
+            <a:lvl4pPr marL="914400" indent="-228600" algn="l" defTabSz="914400" rtl="0" eaLnBrk="1" latinLnBrk="0" hangingPunct="1">
+              <a:spcBef>
+                <a:spcPts val="600"/>
+              </a:spcBef>
+              <a:buClr>
+                <a:schemeClr val="tx1">
+                  <a:lumMod val="85000"/>
+                  <a:lumOff val="15000"/>
+                </a:schemeClr>
+              </a:buClr>
+              <a:buSzPct val="70000"/>
+              <a:buFont typeface="Wingdings" pitchFamily="2" charset="2"/>
+              <a:buChar char="l"/>
+              <a:defRPr sz="1800" kern="1200">
+                <a:solidFill>
+                  <a:schemeClr val="tx1">
+                    <a:lumMod val="75000"/>
+                    <a:lumOff val="25000"/>
+                  </a:schemeClr>
+                </a:solidFill>
+                <a:latin typeface="+mn-lt"/>
+                <a:ea typeface="+mn-ea"/>
+                <a:cs typeface="+mn-cs"/>
+              </a:defRPr>
+            </a:lvl4pPr>
+            <a:lvl5pPr marL="1143000" indent="-228600" algn="l" defTabSz="914400" rtl="0" eaLnBrk="1" latinLnBrk="0" hangingPunct="1">
+              <a:spcBef>
+                <a:spcPts val="600"/>
+              </a:spcBef>
+              <a:buClr>
+                <a:schemeClr val="tx1">
+                  <a:lumMod val="50000"/>
+                  <a:lumOff val="50000"/>
+                </a:schemeClr>
+              </a:buClr>
+              <a:buSzPct val="70000"/>
+              <a:buFont typeface="Wingdings" pitchFamily="2" charset="2"/>
+              <a:buChar char="l"/>
+              <a:defRPr sz="1800" kern="1200">
+                <a:solidFill>
+                  <a:schemeClr val="tx1">
+                    <a:lumMod val="75000"/>
+                    <a:lumOff val="25000"/>
+                  </a:schemeClr>
+                </a:solidFill>
+                <a:latin typeface="+mn-lt"/>
+                <a:ea typeface="+mn-ea"/>
+                <a:cs typeface="+mn-cs"/>
+              </a:defRPr>
+            </a:lvl5pPr>
+            <a:lvl6pPr marL="1377950" indent="-228600" algn="l" defTabSz="914400" rtl="0" eaLnBrk="1" latinLnBrk="0" hangingPunct="1">
+              <a:spcBef>
+                <a:spcPct val="20000"/>
+              </a:spcBef>
+              <a:buClr>
+                <a:schemeClr val="tx1">
+                  <a:lumMod val="85000"/>
+                  <a:lumOff val="15000"/>
+                </a:schemeClr>
+              </a:buClr>
+              <a:buSzPct val="70000"/>
+              <a:buFont typeface="Wingdings" pitchFamily="2" charset="2"/>
+              <a:buChar char=""/>
+              <a:defRPr lang="en-US" sz="1800" kern="1200" dirty="0" smtClean="0">
+                <a:solidFill>
+                  <a:schemeClr val="tx1">
+                    <a:lumMod val="75000"/>
+                    <a:lumOff val="25000"/>
+                  </a:schemeClr>
+                </a:solidFill>
+                <a:latin typeface="+mn-lt"/>
+                <a:ea typeface="+mn-ea"/>
+                <a:cs typeface="+mn-cs"/>
+              </a:defRPr>
+            </a:lvl6pPr>
+            <a:lvl7pPr marL="1603375" indent="-228600" algn="l" defTabSz="914400" rtl="0" eaLnBrk="1" latinLnBrk="0" hangingPunct="1">
+              <a:spcBef>
+                <a:spcPct val="20000"/>
+              </a:spcBef>
+              <a:buClr>
+                <a:schemeClr val="tx1">
+                  <a:lumMod val="50000"/>
+                  <a:lumOff val="50000"/>
+                </a:schemeClr>
+              </a:buClr>
+              <a:buSzPct val="70000"/>
+              <a:buFont typeface="Wingdings" pitchFamily="2" charset="2"/>
+              <a:buChar char=""/>
+              <a:defRPr lang="en-US" sz="1800" kern="1200" dirty="0" smtClean="0">
+                <a:solidFill>
+                  <a:schemeClr val="tx1">
+                    <a:lumMod val="75000"/>
+                    <a:lumOff val="25000"/>
+                  </a:schemeClr>
+                </a:solidFill>
+                <a:latin typeface="+mn-lt"/>
+                <a:ea typeface="+mn-ea"/>
+                <a:cs typeface="+mn-cs"/>
+              </a:defRPr>
+            </a:lvl7pPr>
+            <a:lvl8pPr marL="1830388" indent="-228600" algn="l" defTabSz="914400" rtl="0" eaLnBrk="1" latinLnBrk="0" hangingPunct="1">
+              <a:spcBef>
+                <a:spcPct val="20000"/>
+              </a:spcBef>
+              <a:buClr>
+                <a:schemeClr val="tx1">
+                  <a:lumMod val="85000"/>
+                  <a:lumOff val="15000"/>
+                </a:schemeClr>
+              </a:buClr>
+              <a:buSzPct val="70000"/>
+              <a:buFont typeface="Wingdings" pitchFamily="2" charset="2"/>
+              <a:buChar char=""/>
+              <a:defRPr lang="en-US" sz="1800" kern="1200" dirty="0" smtClean="0">
+                <a:solidFill>
+                  <a:schemeClr val="tx1">
+                    <a:lumMod val="75000"/>
+                    <a:lumOff val="25000"/>
+                  </a:schemeClr>
+                </a:solidFill>
+                <a:latin typeface="+mn-lt"/>
+                <a:ea typeface="+mn-ea"/>
+                <a:cs typeface="+mn-cs"/>
+              </a:defRPr>
+            </a:lvl8pPr>
+            <a:lvl9pPr marL="2057400" indent="-228600" algn="l" defTabSz="914400" rtl="0" eaLnBrk="1" latinLnBrk="0" hangingPunct="1">
+              <a:spcBef>
+                <a:spcPct val="20000"/>
+              </a:spcBef>
+              <a:buClr>
+                <a:schemeClr val="tx1">
+                  <a:lumMod val="50000"/>
+                  <a:lumOff val="50000"/>
+                </a:schemeClr>
+              </a:buClr>
+              <a:buSzPct val="70000"/>
+              <a:buFont typeface="Wingdings" pitchFamily="2" charset="2"/>
+              <a:buChar char=""/>
+              <a:defRPr lang="en-US" sz="1800" kern="1200" dirty="0">
+                <a:solidFill>
+                  <a:schemeClr val="tx1">
+                    <a:lumMod val="75000"/>
+                    <a:lumOff val="25000"/>
+                  </a:schemeClr>
+                </a:solidFill>
+                <a:latin typeface="+mn-lt"/>
+                <a:ea typeface="+mn-ea"/>
+                <a:cs typeface="+mn-cs"/>
+              </a:defRPr>
+            </a:lvl9pPr>
+          </a:lstStyle>
+          <a:p>
+            <a:r>
+              <a:rPr lang="de-DE" dirty="0" err="1" smtClean="0"/>
+              <a:t>Shortwords</a:t>
+            </a:r>
+            <a:r>
+              <a:rPr lang="de-DE" dirty="0" smtClean="0"/>
+              <a:t> Filter</a:t>
+            </a:r>
+          </a:p>
+          <a:p>
+            <a:r>
+              <a:rPr lang="de-DE" dirty="0" err="1" smtClean="0"/>
+              <a:t>Unused</a:t>
+            </a:r>
+            <a:r>
+              <a:rPr lang="de-DE" dirty="0" smtClean="0"/>
+              <a:t> </a:t>
+            </a:r>
+            <a:r>
+              <a:rPr lang="de-DE" dirty="0" err="1" smtClean="0"/>
+              <a:t>Char</a:t>
+            </a:r>
+            <a:r>
+              <a:rPr lang="de-DE" dirty="0" smtClean="0"/>
+              <a:t> Filter</a:t>
+            </a:r>
           </a:p>
           <a:p>
             <a:r>
@@ -6009,7 +6379,7 @@
       </p:sp>
       <p:graphicFrame>
         <p:nvGraphicFramePr>
-          <p:cNvPr id="7" name="Inhaltsplatzhalter 6"/>
+          <p:cNvPr id="5" name="Inhaltsplatzhalter 4"/>
           <p:cNvGraphicFramePr>
             <a:graphicFrameLocks noGrp="1"/>
           </p:cNvGraphicFramePr>

--- a/doc/slides.pptx
+++ b/doc/slides.pptx
@@ -9,7 +9,6 @@
     <p:sldId id="259" r:id="rId3"/>
     <p:sldId id="257" r:id="rId4"/>
     <p:sldId id="260" r:id="rId5"/>
-    <p:sldId id="258" r:id="rId6"/>
   </p:sldIdLst>
   <p:sldSz cx="9144000" cy="6858000" type="screen4x3"/>
   <p:notesSz cx="6858000" cy="9144000"/>
@@ -5942,6 +5941,12 @@
               <a:t>Negation Filter</a:t>
             </a:r>
           </a:p>
+          <a:p>
+            <a:pPr marL="0" indent="0">
+              <a:buNone/>
+            </a:pPr>
+            <a:endParaRPr lang="de-DE" dirty="0" smtClean="0"/>
+          </a:p>
         </p:txBody>
       </p:sp>
       <p:sp>
@@ -6218,6 +6223,12 @@
             <a:r>
               <a:rPr lang="de-DE" dirty="0" smtClean="0"/>
               <a:t> Filter</a:t>
+            </a:r>
+          </a:p>
+          <a:p>
+            <a:r>
+              <a:rPr lang="de-DE" dirty="0" smtClean="0"/>
+              <a:t>Rating Filter</a:t>
             </a:r>
           </a:p>
           <a:p>
@@ -6401,81 +6412,6 @@
     <p:extLst>
       <p:ext uri="{BB962C8B-B14F-4D97-AF65-F5344CB8AC3E}">
         <p14:creationId xmlns:p14="http://schemas.microsoft.com/office/powerpoint/2010/main" val="3976906419"/>
-      </p:ext>
-    </p:extLst>
-  </p:cSld>
-  <p:clrMapOvr>
-    <a:masterClrMapping/>
-  </p:clrMapOvr>
-</p:sld>
-</file>
-
-<file path=ppt/slides/slide5.xml><?xml version="1.0" encoding="utf-8"?>
-<p:sld xmlns:a="http://schemas.openxmlformats.org/drawingml/2006/main" xmlns:r="http://schemas.openxmlformats.org/officeDocument/2006/relationships" xmlns:p="http://schemas.openxmlformats.org/presentationml/2006/main">
-  <p:cSld>
-    <p:spTree>
-      <p:nvGrpSpPr>
-        <p:cNvPr id="1" name=""/>
-        <p:cNvGrpSpPr/>
-        <p:nvPr/>
-      </p:nvGrpSpPr>
-      <p:grpSpPr>
-        <a:xfrm>
-          <a:off x="0" y="0"/>
-          <a:ext cx="0" cy="0"/>
-          <a:chOff x="0" y="0"/>
-          <a:chExt cx="0" cy="0"/>
-        </a:xfrm>
-      </p:grpSpPr>
-      <p:sp>
-        <p:nvSpPr>
-          <p:cNvPr id="2" name="Titel 1"/>
-          <p:cNvSpPr>
-            <a:spLocks noGrp="1"/>
-          </p:cNvSpPr>
-          <p:nvPr>
-            <p:ph type="title"/>
-          </p:nvPr>
-        </p:nvSpPr>
-        <p:spPr/>
-        <p:txBody>
-          <a:bodyPr/>
-          <a:lstStyle/>
-          <a:p>
-            <a:r>
-              <a:rPr lang="de-DE" dirty="0" err="1" smtClean="0"/>
-              <a:t>Weka</a:t>
-            </a:r>
-            <a:endParaRPr lang="de-DE" dirty="0"/>
-          </a:p>
-        </p:txBody>
-      </p:sp>
-      <p:sp>
-        <p:nvSpPr>
-          <p:cNvPr id="3" name="Inhaltsplatzhalter 2"/>
-          <p:cNvSpPr>
-            <a:spLocks noGrp="1"/>
-          </p:cNvSpPr>
-          <p:nvPr>
-            <p:ph idx="1"/>
-          </p:nvPr>
-        </p:nvSpPr>
-        <p:spPr/>
-        <p:txBody>
-          <a:bodyPr/>
-          <a:lstStyle/>
-          <a:p>
-            <a:endParaRPr lang="de-DE" dirty="0"/>
-          </a:p>
-          <a:p>
-            <a:endParaRPr lang="de-DE" dirty="0"/>
-          </a:p>
-        </p:txBody>
-      </p:sp>
-    </p:spTree>
-    <p:extLst>
-      <p:ext uri="{BB962C8B-B14F-4D97-AF65-F5344CB8AC3E}">
-        <p14:creationId xmlns:p14="http://schemas.microsoft.com/office/powerpoint/2010/main" val="1005177773"/>
       </p:ext>
     </p:extLst>
   </p:cSld>

--- a/doc/slides.pptx
+++ b/doc/slides.pptx
@@ -9,6 +9,7 @@
     <p:sldId id="259" r:id="rId3"/>
     <p:sldId id="257" r:id="rId4"/>
     <p:sldId id="260" r:id="rId5"/>
+    <p:sldId id="261" r:id="rId6"/>
   </p:sldIdLst>
   <p:sldSz cx="9144000" cy="6858000" type="screen4x3"/>
   <p:notesSz cx="6858000" cy="9144000"/>
@@ -230,11 +231,11 @@
           <c:showBubbleSize val="0"/>
         </c:dLbls>
         <c:gapWidth val="150"/>
-        <c:axId val="-2108053976"/>
-        <c:axId val="-2107654824"/>
+        <c:axId val="-2106764504"/>
+        <c:axId val="-2106665336"/>
       </c:barChart>
       <c:catAx>
-        <c:axId val="-2108053976"/>
+        <c:axId val="-2106764504"/>
         <c:scaling>
           <c:orientation val="minMax"/>
         </c:scaling>
@@ -243,7 +244,7 @@
         <c:majorTickMark val="out"/>
         <c:minorTickMark val="none"/>
         <c:tickLblPos val="nextTo"/>
-        <c:crossAx val="-2107654824"/>
+        <c:crossAx val="-2106665336"/>
         <c:crosses val="autoZero"/>
         <c:auto val="1"/>
         <c:lblAlgn val="ctr"/>
@@ -251,7 +252,7 @@
         <c:noMultiLvlLbl val="0"/>
       </c:catAx>
       <c:valAx>
-        <c:axId val="-2107654824"/>
+        <c:axId val="-2106665336"/>
         <c:scaling>
           <c:orientation val="minMax"/>
         </c:scaling>
@@ -262,7 +263,7 @@
         <c:majorTickMark val="out"/>
         <c:minorTickMark val="none"/>
         <c:tickLblPos val="nextTo"/>
-        <c:crossAx val="-2108053976"/>
+        <c:crossAx val="-2106764504"/>
         <c:crosses val="autoZero"/>
         <c:crossBetween val="between"/>
       </c:valAx>
@@ -498,11 +499,11 @@
           <c:showBubbleSize val="0"/>
         </c:dLbls>
         <c:gapWidth val="150"/>
-        <c:axId val="-2117663544"/>
-        <c:axId val="-2107456520"/>
+        <c:axId val="-2108299880"/>
+        <c:axId val="-2108293560"/>
       </c:barChart>
       <c:catAx>
-        <c:axId val="-2117663544"/>
+        <c:axId val="-2108299880"/>
         <c:scaling>
           <c:orientation val="minMax"/>
         </c:scaling>
@@ -511,7 +512,7 @@
         <c:majorTickMark val="out"/>
         <c:minorTickMark val="none"/>
         <c:tickLblPos val="nextTo"/>
-        <c:crossAx val="-2107456520"/>
+        <c:crossAx val="-2108293560"/>
         <c:crosses val="autoZero"/>
         <c:auto val="1"/>
         <c:lblAlgn val="ctr"/>
@@ -519,7 +520,7 @@
         <c:noMultiLvlLbl val="0"/>
       </c:catAx>
       <c:valAx>
-        <c:axId val="-2107456520"/>
+        <c:axId val="-2108293560"/>
         <c:scaling>
           <c:orientation val="minMax"/>
         </c:scaling>
@@ -530,7 +531,7 @@
         <c:majorTickMark val="out"/>
         <c:minorTickMark val="none"/>
         <c:tickLblPos val="nextTo"/>
-        <c:crossAx val="-2117663544"/>
+        <c:crossAx val="-2108299880"/>
         <c:crosses val="autoZero"/>
         <c:crossBetween val="between"/>
       </c:valAx>
@@ -6421,6 +6422,257 @@
 </p:sld>
 </file>
 
+<file path=ppt/slides/slide5.xml><?xml version="1.0" encoding="utf-8"?>
+<p:sld xmlns:a="http://schemas.openxmlformats.org/drawingml/2006/main" xmlns:r="http://schemas.openxmlformats.org/officeDocument/2006/relationships" xmlns:p="http://schemas.openxmlformats.org/presentationml/2006/main">
+  <p:cSld>
+    <p:spTree>
+      <p:nvGrpSpPr>
+        <p:cNvPr id="1" name=""/>
+        <p:cNvGrpSpPr/>
+        <p:nvPr/>
+      </p:nvGrpSpPr>
+      <p:grpSpPr>
+        <a:xfrm>
+          <a:off x="0" y="0"/>
+          <a:ext cx="0" cy="0"/>
+          <a:chOff x="0" y="0"/>
+          <a:chExt cx="0" cy="0"/>
+        </a:xfrm>
+      </p:grpSpPr>
+      <p:sp>
+        <p:nvSpPr>
+          <p:cNvPr id="2" name="Titel 1"/>
+          <p:cNvSpPr>
+            <a:spLocks noGrp="1"/>
+          </p:cNvSpPr>
+          <p:nvPr>
+            <p:ph type="title"/>
+          </p:nvPr>
+        </p:nvSpPr>
+        <p:spPr/>
+        <p:txBody>
+          <a:bodyPr/>
+          <a:lstStyle/>
+          <a:p>
+            <a:r>
+              <a:rPr lang="de-DE" dirty="0" err="1" smtClean="0"/>
+              <a:t>Lessons</a:t>
+            </a:r>
+            <a:r>
+              <a:rPr lang="de-DE" dirty="0" smtClean="0"/>
+              <a:t> </a:t>
+            </a:r>
+            <a:r>
+              <a:rPr lang="de-DE" dirty="0" err="1" smtClean="0"/>
+              <a:t>Learnt</a:t>
+            </a:r>
+            <a:endParaRPr lang="de-DE" dirty="0"/>
+          </a:p>
+        </p:txBody>
+      </p:sp>
+      <p:sp>
+        <p:nvSpPr>
+          <p:cNvPr id="3" name="Inhaltsplatzhalter 2"/>
+          <p:cNvSpPr>
+            <a:spLocks noGrp="1"/>
+          </p:cNvSpPr>
+          <p:nvPr>
+            <p:ph idx="1"/>
+          </p:nvPr>
+        </p:nvSpPr>
+        <p:spPr/>
+        <p:txBody>
+          <a:bodyPr/>
+          <a:lstStyle/>
+          <a:p>
+            <a:r>
+              <a:rPr lang="de-DE" dirty="0" err="1" smtClean="0"/>
+              <a:t>Quite</a:t>
+            </a:r>
+            <a:r>
+              <a:rPr lang="de-DE" dirty="0" smtClean="0"/>
+              <a:t> </a:t>
+            </a:r>
+            <a:r>
+              <a:rPr lang="de-DE" dirty="0" err="1" smtClean="0"/>
+              <a:t>tricky</a:t>
+            </a:r>
+            <a:endParaRPr lang="de-DE" dirty="0" smtClean="0"/>
+          </a:p>
+          <a:p>
+            <a:r>
+              <a:rPr lang="de-DE" dirty="0" smtClean="0"/>
+              <a:t>(</a:t>
+            </a:r>
+            <a:r>
+              <a:rPr lang="de-DE" dirty="0" err="1" smtClean="0"/>
+              <a:t>Correct</a:t>
+            </a:r>
+            <a:r>
+              <a:rPr lang="de-DE" dirty="0" smtClean="0"/>
+              <a:t>) </a:t>
+            </a:r>
+            <a:r>
+              <a:rPr lang="de-DE" dirty="0" err="1" smtClean="0"/>
+              <a:t>Tokenization</a:t>
+            </a:r>
+            <a:r>
+              <a:rPr lang="de-DE" dirty="0" smtClean="0"/>
+              <a:t> </a:t>
+            </a:r>
+            <a:r>
+              <a:rPr lang="de-DE" dirty="0" err="1" smtClean="0"/>
+              <a:t>very</a:t>
+            </a:r>
+            <a:r>
+              <a:rPr lang="de-DE" dirty="0" smtClean="0"/>
+              <a:t> </a:t>
+            </a:r>
+            <a:r>
+              <a:rPr lang="de-DE" dirty="0" err="1" smtClean="0"/>
+              <a:t>important</a:t>
+            </a:r>
+            <a:endParaRPr lang="de-DE" dirty="0" smtClean="0"/>
+          </a:p>
+          <a:p>
+            <a:r>
+              <a:rPr lang="de-DE" dirty="0" smtClean="0"/>
+              <a:t>Hard </a:t>
+            </a:r>
+            <a:r>
+              <a:rPr lang="de-DE" dirty="0" err="1" smtClean="0"/>
+              <a:t>to</a:t>
+            </a:r>
+            <a:r>
+              <a:rPr lang="de-DE" dirty="0" smtClean="0"/>
+              <a:t> find </a:t>
+            </a:r>
+            <a:r>
+              <a:rPr lang="de-DE" dirty="0" err="1" smtClean="0"/>
+              <a:t>features</a:t>
+            </a:r>
+            <a:r>
+              <a:rPr lang="de-DE" dirty="0" smtClean="0"/>
+              <a:t> </a:t>
+            </a:r>
+            <a:r>
+              <a:rPr lang="de-DE" dirty="0" err="1" smtClean="0"/>
+              <a:t>which</a:t>
+            </a:r>
+            <a:r>
+              <a:rPr lang="de-DE" dirty="0" smtClean="0"/>
+              <a:t> </a:t>
+            </a:r>
+            <a:r>
+              <a:rPr lang="de-DE" dirty="0" err="1" smtClean="0"/>
+              <a:t>should</a:t>
+            </a:r>
+            <a:r>
+              <a:rPr lang="de-DE" dirty="0" smtClean="0"/>
+              <a:t> </a:t>
+            </a:r>
+            <a:r>
+              <a:rPr lang="de-DE" dirty="0" err="1" smtClean="0"/>
+              <a:t>outperform</a:t>
+            </a:r>
+            <a:r>
+              <a:rPr lang="de-DE" dirty="0" smtClean="0"/>
+              <a:t> „</a:t>
+            </a:r>
+            <a:r>
+              <a:rPr lang="de-DE" dirty="0" err="1" smtClean="0"/>
+              <a:t>industry</a:t>
+            </a:r>
+            <a:r>
+              <a:rPr lang="de-DE" dirty="0" smtClean="0"/>
+              <a:t> </a:t>
+            </a:r>
+            <a:r>
+              <a:rPr lang="de-DE" dirty="0" err="1" smtClean="0"/>
+              <a:t>standard</a:t>
+            </a:r>
+            <a:r>
+              <a:rPr lang="de-DE" dirty="0" smtClean="0"/>
+              <a:t>“</a:t>
+            </a:r>
+          </a:p>
+          <a:p>
+            <a:r>
+              <a:rPr lang="de-DE" dirty="0" smtClean="0"/>
+              <a:t>Lot </a:t>
+            </a:r>
+            <a:r>
+              <a:rPr lang="de-DE" dirty="0" err="1" smtClean="0"/>
+              <a:t>of</a:t>
+            </a:r>
+            <a:r>
+              <a:rPr lang="de-DE" dirty="0" smtClean="0"/>
+              <a:t> </a:t>
+            </a:r>
+            <a:r>
+              <a:rPr lang="de-DE" dirty="0" err="1" smtClean="0"/>
+              <a:t>testing</a:t>
+            </a:r>
+            <a:r>
+              <a:rPr lang="de-DE" dirty="0" smtClean="0"/>
+              <a:t> </a:t>
+            </a:r>
+            <a:r>
+              <a:rPr lang="de-DE" dirty="0" err="1" smtClean="0"/>
+              <a:t>needed</a:t>
+            </a:r>
+            <a:r>
+              <a:rPr lang="de-DE" dirty="0" smtClean="0"/>
+              <a:t> </a:t>
+            </a:r>
+            <a:r>
+              <a:rPr lang="de-DE" dirty="0" err="1" smtClean="0"/>
+              <a:t>to</a:t>
+            </a:r>
+            <a:r>
+              <a:rPr lang="de-DE" dirty="0" smtClean="0"/>
+              <a:t> </a:t>
+            </a:r>
+            <a:r>
+              <a:rPr lang="de-DE" dirty="0" err="1" smtClean="0"/>
+              <a:t>have</a:t>
+            </a:r>
+            <a:r>
+              <a:rPr lang="de-DE" dirty="0" smtClean="0"/>
+              <a:t> solid </a:t>
+            </a:r>
+            <a:r>
+              <a:rPr lang="de-DE" dirty="0" err="1" smtClean="0"/>
+              <a:t>comparable</a:t>
+            </a:r>
+            <a:r>
+              <a:rPr lang="de-DE" dirty="0" smtClean="0"/>
+              <a:t> </a:t>
+            </a:r>
+            <a:r>
+              <a:rPr lang="de-DE" dirty="0" err="1" smtClean="0"/>
+              <a:t>results</a:t>
+            </a:r>
+            <a:endParaRPr lang="de-DE" dirty="0" smtClean="0"/>
+          </a:p>
+          <a:p>
+            <a:endParaRPr lang="de-DE" dirty="0"/>
+          </a:p>
+        </p:txBody>
+      </p:sp>
+    </p:spTree>
+    <p:extLst>
+      <p:ext uri="{BB962C8B-B14F-4D97-AF65-F5344CB8AC3E}">
+        <p14:creationId xmlns:p14="http://schemas.microsoft.com/office/powerpoint/2010/main" val="2569615500"/>
+      </p:ext>
+    </p:extLst>
+  </p:cSld>
+  <p:clrMapOvr>
+    <a:masterClrMapping/>
+  </p:clrMapOvr>
+</p:sld>
+</file>
+
 <file path=ppt/theme/theme1.xml><?xml version="1.0" encoding="utf-8"?>
 <a:theme xmlns:a="http://schemas.openxmlformats.org/drawingml/2006/main" name="Boreas">
   <a:themeElements>
